--- a/tmp/proposal.pptx
+++ b/tmp/proposal.pptx
@@ -2945,23 +2945,23 @@
               <a:defRPr sz="1400"/>
             </a:pPr>
             <a:r>
-              <a:t>- 제목: "어둠 속의 빛"</a:t>
-            </a:r>
-          </a:p>
-          <a:p>
-            <a:pPr algn="l">
-              <a:defRPr sz="1400"/>
-            </a:pPr>
-            <a:r>
-              <a:t>- 캐치프레이즈: "어둠을 뚫고, 빛을 찾아라"</a:t>
-            </a:r>
-          </a:p>
-          <a:p>
-            <a:pPr algn="l">
-              <a:defRPr sz="1400"/>
-            </a:pPr>
-            <a:r>
-              <a:t>- 장르: 범죄 드라마</a:t>
+              <a:t>- 제목: 꿈꾸는 청춘</a:t>
+            </a:r>
+          </a:p>
+          <a:p>
+            <a:pPr algn="l">
+              <a:defRPr sz="1400"/>
+            </a:pPr>
+            <a:r>
+              <a:t>- 캐치프레이즈: "우리의 꿈은 아직 시작되지 않았다."</a:t>
+            </a:r>
+          </a:p>
+          <a:p>
+            <a:pPr algn="l">
+              <a:defRPr sz="1400"/>
+            </a:pPr>
+            <a:r>
+              <a:t>- 장르: 드라마, 청춘</a:t>
             </a:r>
           </a:p>
           <a:p>
@@ -2977,15 +2977,15 @@
               <a:defRPr sz="1400"/>
             </a:pPr>
             <a:r>
-              <a:t>- 타겟 목표 관객층: 20대~40대 성인 관객</a:t>
-            </a:r>
-          </a:p>
-          <a:p>
-            <a:pPr algn="l">
-              <a:defRPr sz="1400"/>
-            </a:pPr>
-            <a:r>
-              <a:t>- 예상 관람등급: 15세 이상 관람가</a:t>
+              <a:t>- 타겟목표 관객층: 20대~30대 청년층, 꿈을 꾸는 모든 이들</a:t>
+            </a:r>
+          </a:p>
+          <a:p>
+            <a:pPr algn="l">
+              <a:defRPr sz="1400"/>
+            </a:pPr>
+            <a:r>
+              <a:t>- 예상 관람등급: 전체 관람가</a:t>
             </a:r>
           </a:p>
         </p:txBody>
@@ -3120,46 +3120,7 @@
               <a:defRPr sz="1400"/>
             </a:pPr>
             <a:r>
-              <a:t>"어둠 속의 빛"은 범죄와 정의의 경계에서 인간의 본질을 탐구하는 영화입니다. 이 영화는 범죄의 소용돌이 속에서 고뇌하는 인물들이 각자의 방식으로 진실을 찾아가는 과정을 그립니다. 범죄라는 어둠 속에서도 희망의 빛을 찾으려는 이들의 여정을 통해, 관객들은 인간 내면의 복잡한 갈등과 도덕적 딜레마를 경험하게 됩니다.</a:t>
-            </a:r>
-          </a:p>
-          <a:p>
-            <a:pPr algn="l">
-              <a:defRPr sz="1400"/>
-            </a:pPr>
-          </a:p>
-          <a:p>
-            <a:pPr algn="l">
-              <a:defRPr sz="1400"/>
-            </a:pPr>
-            <a:r>
-              <a:t>이 영화는 단순한 범죄 스릴러가 아닙니다. 범죄와 정의, 그리고 인간의 본성을 깊이 있게 탐구하며, 관객들에게 질문을 던집니다. 우리가 사는 세상에서 진정한 정의란 무엇인가? 그리고 그 정의를 실현하기 위해 우리는 어떤 선택을 해야 하는가? 이러한 질문을 통해 관객들은 자신의 삶과 가치관을 돌아보게 될 것입니다.</a:t>
-            </a:r>
-          </a:p>
-          <a:p>
-            <a:pPr algn="l">
-              <a:defRPr sz="1400"/>
-            </a:pPr>
-          </a:p>
-          <a:p>
-            <a:pPr algn="l">
-              <a:defRPr sz="1400"/>
-            </a:pPr>
-            <a:r>
-              <a:t>영화 속 인물들은 각자의 신념과 가치관에 따라 행동하고, 그로 인해 서로 충돌하며 성장합니다. 이 과정에서 그들은 서로의 다름을 인정하고, 함께 나아가는 법을 배웁니다. 이러한 메시지는 현대 사회에서의 갈등과 화합의 중요성을 일깨워줍니다.</a:t>
-            </a:r>
-          </a:p>
-          <a:p>
-            <a:pPr algn="l">
-              <a:defRPr sz="1400"/>
-            </a:pPr>
-          </a:p>
-          <a:p>
-            <a:pPr algn="l">
-              <a:defRPr sz="1400"/>
-            </a:pPr>
-            <a:r>
-              <a:t>"어둠 속의 빛"은 관객들에게 긴장감 넘치는 스릴과 감동적인 드라마를 동시에 선사합니다. 이 영화는 단순한 오락을 넘어, 관객들에게 깊은 여운을 남기며, 그들의 삶에 긍정적인 영향을 미칠 것입니다.</a:t>
+              <a:t>'꿈꾸는 청춘'은 우리가 살아가면서 마주하는 도전과 꿈, 그리고 그 과정에서의 성장과 우정을 담아낸 이야기입니다. 이 영화는 졸업 후 사회로 나아가는 네 명의 친구들이 각자의 길을 찾아가는 여정을 통해, 청춘의 아름다움과 그 이면의 고뇌를 진솔하게 그려냅니다. 현대 사회에서 청년들이 겪는 불안과 두려움, 그리고 그 속에서 피어나는 희망을 통해, 관객들에게 따뜻한 위로와 용기를 주고자 합니다. 영화는 꿈을 이루기 위한 여정이 결코 혼자서는 이루어질 수 없음을, 서로의 손을 맞잡고 함께 걸어갈 때 비로소 완성된다는 메시지를 전합니다. 또한, 각자의 꿈을 향해 나아가는 과정에서의 실패와 좌절, 그리고 그로부터 얻는 깨달음을 통해, 청춘의 진정한 의미를 되새기게 합니다. 이 영화는 단순한 성장 드라마를 넘어, 관객들에게 자신의 꿈을 다시 한 번 돌아보고, 그 꿈을 향한 첫 발걸음을 내딛을 용기를 선사할 것입니다. '꿈꾸는 청춘'은 꿈을 향한 여정의 시작을 함께하는 모든 이들에게 바치는 헌사이며, 그 과정에서의 작지만 소중한 순간들을 함께 나누고자 합니다.</a:t>
             </a:r>
           </a:p>
         </p:txBody>
@@ -3294,17 +3255,27 @@
               <a:defRPr sz="1400"/>
             </a:pPr>
             <a:r>
-              <a:t>도시의 범죄율이 급증하면서 형사 강민은 범죄 현장을 조사하며 단서를 찾기 시작한다. 그의 친구이자 동료인 재훈과 함께 범죄 조직의 본거지를 추적하기로 결심한다. 그들은 범죄 조직의 은신처에 잠입하여 중요한 정보를 수집하고, 그 과정에서 예상치 못한 코믹한 상황에 직면한다. 두 사람은 서로 다른 방식으로 문제를 해결하려 하지만, 결국 서로의 방식과 장점을 인정하며 협력한다.</a:t>
+              <a:t>서울의 한 작은 동네, 청년 창업을 꿈꾸는 네 명의 친구들이 있다. 각자 다른 전공과 개성을 가진 이들은 졸업 후 취업 대신 창업을 선택한다. 하지만 현실은 녹록지 않다. 자본금 부족, 경험 부족, 그리고 서로 다른 의견으로 갈등이 끊이지 않는다. </a:t>
             </a:r>
             <a:br/>
             <a:br/>
             <a:r>
-              <a:t>강민과 재훈은 범죄 조직의 음모를 파헤치기 위해 위험을 무릅쓰고 폐공장에서 결전을 벌인다. 그들은 살인마 집단의 일원들과 맞서 싸우며, 서로의 결단력과 우정을 확인한다. 전투 후, 두 사람은 도시의 안전을 지키기 위해 함께 노력하기로 다짐한다.</a:t>
+              <a:t>그러던 어느 날, 이들은 동네의 낡은 카페를 인수해 자신들만의 독특한 컨셉으로 리모델링하기로 결심한다. 카페 이름은 '꿈꾸는 청춘'. 각자의 장기를 살려 메뉴 개발, 인테리어, 마케팅 등을 분담하며 고군분투한다. </a:t>
             </a:r>
             <a:br/>
             <a:br/>
             <a:r>
-              <a:t>범죄가 소탕된 후, 도시는 다시 평화를 되찾고, 강민과 재훈은 경찰서에서 감사의 순간을 나눈다. 그들은 서로의 용기와 결단력에 감사를 표하며, 앞으로도 함께할 것을 약속한다. 도시의 야경 아래, 두 사람은 새로운 시작을 다짐하며, 더 나은 미래를 향해 나아간다. 이 과정에서 그들은 서로의 방식과 우정을 존중하며, 함께라면 어떤 어려움도 극복할 수 있음을 깨닫는다.</a:t>
+              <a:t>초반에는 손님이 거의 없고, 주변 사람들은 '애들 장난'이라고 비웃는다. 그러나 이들은 포기하지 않고, 지역 축제에 참여해 카페를 홍보하고, SNS를 통해 입소문을 내기 시작한다. 그 과정에서 작은 성공을 거두며 팀워크의 중요성을 깨닫게 된다.</a:t>
+            </a:r>
+            <a:br/>
+            <a:br/>
+            <a:r>
+              <a:t>서로의 장점을 인정하고, 부족한 부분을 채워주며 이들은 점점 더 단단한 팀이 되어간다. 카페는 점점 인기를 끌고, 손님들도 늘어나기 시작한다. 그들의 열정과 노력이 결실을 맺는 순간, 이들은 비로소 자신들의 꿈을 현실로 만들어낸다.</a:t>
+            </a:r>
+            <a:br/>
+            <a:br/>
+            <a:r>
+              <a:t>마지막으로, 이들은 카페의 수익 일부를 지역 사회에 환원하며, 또 다른 청년 창업가들을 지원하기로 결심한다. 그들의 이야기는 단순한 성공이 아닌, 함께 성장하고 나누는 감동적인 여정으로 마무리된다.</a:t>
             </a:r>
           </a:p>
         </p:txBody>
@@ -3385,46 +3356,78 @@
               <a:defRPr sz="1400"/>
             </a:pPr>
             <a:r>
-              <a:t>1. 우정의 힘: 강민과 재훈의 관계는 단순한 동료를 넘어선 깊은 우정으로 발전합니다. 그들의 우정은 범죄 집단과의 대결 속에서 더욱 빛을 발하며, 관객들에게 진정한 친구란 무엇인지 생각하게 합니다. 그들이 서로를 지지하며 함께 어려움을 극복하는 모습은 감동을 자아냅니다.</a:t>
-            </a:r>
-          </a:p>
-          <a:p>
-            <a:pPr algn="l">
-              <a:defRPr sz="1400"/>
-            </a:pPr>
-          </a:p>
-          <a:p>
-            <a:pPr algn="l">
-              <a:defRPr sz="1400"/>
-            </a:pPr>
-            <a:r>
-              <a:t>2. 도덕적 딜레마: 영화는 범죄와 정의의 경계에서 인물들이 직면하는 도덕적 딜레마를 심도 있게 다룹니다. 관객들은 인물들의 선택을 통해 자신이 처한 상황에서 어떤 결정을 내릴지 고민하게 됩니다. 이 과정에서 관객들은 자신의 가치관을 돌아보게 되며, 영화가 던지는 질문에 대한 답을 찾게 됩니다.</a:t>
-            </a:r>
-          </a:p>
-          <a:p>
-            <a:pPr algn="l">
-              <a:defRPr sz="1400"/>
-            </a:pPr>
-          </a:p>
-          <a:p>
-            <a:pPr algn="l">
-              <a:defRPr sz="1400"/>
-            </a:pPr>
-            <a:r>
-              <a:t>3. 인간 내면의 갈등: 영화는 인물들의 내면 갈등을 섬세하게 그려냅니다. 강민과 재훈은 각자의 방식으로 범죄와 싸우며, 그 과정에서 자신의 한계와 마주하게 됩니다. 이들의 성장 과정은 관객들에게 깊은 감동을 선사하며, 인간의 복잡한 심리를 이해하는 데 도움을 줍니다.</a:t>
-            </a:r>
-          </a:p>
-          <a:p>
-            <a:pPr algn="l">
-              <a:defRPr sz="1400"/>
-            </a:pPr>
-          </a:p>
-          <a:p>
-            <a:pPr algn="l">
-              <a:defRPr sz="1400"/>
-            </a:pPr>
-            <a:r>
-              <a:t>4. 범죄의 현실성: 영화는 범죄의 현실을 사실적으로 묘사하며, 관객들에게 범죄의 위험성을 일깨웁니다. 범죄 집단의 음모와 배신, 그리고 그로 인한 피해자들의 고통을 통해 관객들은 범죄의 심각성을 체감하게 됩니다. 이로 인해 관객들은 범죄 예방의 중요성을 깨닫고, 더 나은 사회를 만들기 위한 노력을 다짐하게 됩니다.</a:t>
+              <a:t>1. 청춘의 도전과 좌절</a:t>
+            </a:r>
+          </a:p>
+          <a:p>
+            <a:pPr algn="l">
+              <a:defRPr sz="1400"/>
+            </a:pPr>
+            <a:r>
+              <a:t>이 영화는 청춘의 도전과 좌절, 그 속에서 피어나는 희망을 그립니다. 관객들은 주인공들이 마주하는 현실의 벽과 그로 인한 좌절을 통해, 자신의 삶을 돌아보게 됩니다. "우리도 그랬지"라는 공감과 함께, 그들이 다시 일어서는 모습을 보며 용기를 얻습니다. 영화는 청춘이란 실패를 두려워하지 않고, 그로부터 배우고 성장하는 과정임을 상기시킵니다. 관객들은 주인공들의 여정을 통해, 자신의 꿈을 다시 한 번 돌아보는 기회를 갖게 될 것입니다.</a:t>
+            </a:r>
+          </a:p>
+          <a:p>
+            <a:pPr algn="l">
+              <a:defRPr sz="1400"/>
+            </a:pPr>
+          </a:p>
+          <a:p>
+            <a:pPr algn="l">
+              <a:defRPr sz="1400"/>
+            </a:pPr>
+            <a:r>
+              <a:t>2. 우정의 힘과 가치</a:t>
+            </a:r>
+          </a:p>
+          <a:p>
+            <a:pPr algn="l">
+              <a:defRPr sz="1400"/>
+            </a:pPr>
+            <a:r>
+              <a:t>'꿈꾸는 청춘'은 우정의 힘과 그 가치에 대해 깊이 있게 탐구합니다. 친구들이 서로의 부족한 부분을 채워주며 함께 성장하는 과정을 통해, 관객들은 진정한 우정이란 무엇인지 생각하게 됩니다. "함께라면 무엇이든 할 수 있어"라는 메시지를 전달하며, 관객들은 자신의 삶 속에서도 그러한 관계를 돌아보게 됩니다. 영화는 우정이란 단순한 감정이 아닌, 서로의 꿈을 지지하고 함께 나아가는 동반자임을 보여줍니다.</a:t>
+            </a:r>
+          </a:p>
+          <a:p>
+            <a:pPr algn="l">
+              <a:defRPr sz="1400"/>
+            </a:pPr>
+          </a:p>
+          <a:p>
+            <a:pPr algn="l">
+              <a:defRPr sz="1400"/>
+            </a:pPr>
+            <a:r>
+              <a:t>3. 꿈을 향한 열정과 노력</a:t>
+            </a:r>
+          </a:p>
+          <a:p>
+            <a:pPr algn="l">
+              <a:defRPr sz="1400"/>
+            </a:pPr>
+            <a:r>
+              <a:t>영화는 꿈을 향한 열정과 노력을 통해 이루어지는 성취의 기쁨을 그립니다. 주인공들이 각자의 꿈을 위해 끊임없이 도전하고, 그 과정에서 얻는 작은 성취들이 모여 큰 결과로 이어지는 모습을 통해, 관객들은 자신의 꿈을 향한 열정을 다시금 불태우게 됩니다. 영화는 "포기하지 않으면 언젠가 이룰 수 있다"는 희망의 메시지를 전달하며, 관객들에게 꿈을 향한 첫 발걸음을 내딛을 용기를 줍니다.</a:t>
+            </a:r>
+          </a:p>
+          <a:p>
+            <a:pPr algn="l">
+              <a:defRPr sz="1400"/>
+            </a:pPr>
+          </a:p>
+          <a:p>
+            <a:pPr algn="l">
+              <a:defRPr sz="1400"/>
+            </a:pPr>
+            <a:r>
+              <a:t>4. 현실과 이상의 조화</a:t>
+            </a:r>
+          </a:p>
+          <a:p>
+            <a:pPr algn="l">
+              <a:defRPr sz="1400"/>
+            </a:pPr>
+            <a:r>
+              <a:t>'꿈꾸는 청춘'은 현실과 이상의 조화를 이루는 과정을 통해, 관객들에게 깊은 감동을 선사합니다. 주인공들이 이상을 추구하면서도 현실을 직시하고, 그 안에서 최선의 선택을 하며 나아가는 모습은, 관객들에게도 큰 울림을 줍니다. 영화는 이상만을 좇는 것이 아닌, 현실 속에서 그 이상을 실현하기 위한 노력이 중요함을 강조합니다. 관객들은 이를 통해 자신의 삶에서도 현실과 이상의 균형을 맞추는 지혜를 얻을 수 있을 것입니다.</a:t>
             </a:r>
           </a:p>
         </p:txBody>
@@ -3500,59 +3503,179 @@
               <a:defRPr sz="1400"/>
             </a:pPr>
             <a:r>
-              <a:t>1. 강민 (30대 초반, 경찰): "우리가 이겨야 해! 끝까지 싸우자!" - 강한 정의감을 가진 경찰로, 범죄를 뿌리 뽑기 위해 고군분투한다. 그의 결단력과 책임감은 팀원들에게 큰 힘이 된다.</a:t>
-            </a:r>
-          </a:p>
-          <a:p>
-            <a:pPr algn="l">
-              <a:defRPr sz="1400"/>
-            </a:pPr>
-          </a:p>
-          <a:p>
-            <a:pPr algn="l">
-              <a:defRPr sz="1400"/>
-            </a:pPr>
-            <a:r>
-              <a:t>2. 재훈 (30대 초반, 경찰): "형, 우리는 서로를 지켜줄 친구야." - 유머러스하지만 진지한 순간에는 누구보다 신뢰받는 동료. 강민과의 우정은 그의 가장 큰 자산이며, 범죄와의 싸움에서도 빛을 발한다.</a:t>
-            </a:r>
-          </a:p>
-          <a:p>
-            <a:pPr algn="l">
-              <a:defRPr sz="1400"/>
-            </a:pPr>
-          </a:p>
-          <a:p>
-            <a:pPr algn="l">
-              <a:defRPr sz="1400"/>
-            </a:pPr>
-            <a:r>
-              <a:t>3. 지현 (30대 초반, 강민의 오랜 친구): "우리는 모두 최선을 다했어. 너 혼자 책임질 필요 없어." - 부드럽고 따뜻한 마음을 가진 여성으로, 강민에게 큰 위로와 지지를 준다. 그녀의 존재는 강민에게 큰 힘이 된다.</a:t>
-            </a:r>
-          </a:p>
-          <a:p>
-            <a:pPr algn="l">
-              <a:defRPr sz="1400"/>
-            </a:pPr>
-          </a:p>
-          <a:p>
-            <a:pPr algn="l">
-              <a:defRPr sz="1400"/>
-            </a:pPr>
-            <a:r>
-              <a:t>4. 민수 (30대 중반, 범죄 집단의 일원): "이제 시작이다…" - 범죄 집단의 일원이지만, 내면의 갈등을 겪으며 변화의 기로에 선 인물. 그의 선택은 영화의 중요한 전환점이 된다.</a:t>
-            </a:r>
-          </a:p>
-          <a:p>
-            <a:pPr algn="l">
-              <a:defRPr sz="1400"/>
-            </a:pPr>
-          </a:p>
-          <a:p>
-            <a:pPr algn="l">
-              <a:defRPr sz="1400"/>
-            </a:pPr>
-            <a:r>
-              <a:t>5. 상훈 (50대 중반, 범죄 집단의 보스): "우리는 이 도시의 수호자다." - 냉철하고 카리스마 넘치는 인물로, 범죄 집단의 수장. 그의 결단력은 조직원들에게 큰 영향을 미치며, 영화의 긴장감을 고조시킨다.</a:t>
+              <a:t>1. 지훈</a:t>
+            </a:r>
+          </a:p>
+          <a:p>
+            <a:pPr algn="l">
+              <a:defRPr sz="1400"/>
+            </a:pPr>
+            <a:r>
+              <a:t>나이: 25세, 직업: 청년 창업가</a:t>
+            </a:r>
+          </a:p>
+          <a:p>
+            <a:pPr algn="l">
+              <a:defRPr sz="1400"/>
+            </a:pPr>
+            <a:r>
+              <a:t>성격: 긍정적이고 에너지가 넘치며, 리더십이 강하다.</a:t>
+            </a:r>
+          </a:p>
+          <a:p>
+            <a:pPr algn="l">
+              <a:defRPr sz="1400"/>
+            </a:pPr>
+            <a:r>
+              <a:t>특징: "우리가 함께라면 불가능은 없어!"라는 말을 자주 하며, 친구들을 이끌고자 한다. 항상 웃음을 잃지 않고, 힘든 상황에서도 긍정적인 마인드로 팀을 이끈다. 그의 리더십은 팀원들에게 큰 힘이 되며, 그가 가진 에너지는 주변 사람들에게도 긍정적인 영향을 미친다.</a:t>
+            </a:r>
+          </a:p>
+          <a:p>
+            <a:pPr algn="l">
+              <a:defRPr sz="1400"/>
+            </a:pPr>
+          </a:p>
+          <a:p>
+            <a:pPr algn="l">
+              <a:defRPr sz="1400"/>
+            </a:pPr>
+            <a:r>
+              <a:t>2. 수진</a:t>
+            </a:r>
+          </a:p>
+          <a:p>
+            <a:pPr algn="l">
+              <a:defRPr sz="1400"/>
+            </a:pPr>
+            <a:r>
+              <a:t>나이: 24세, 직업: 마케팅 전문가</a:t>
+            </a:r>
+          </a:p>
+          <a:p>
+            <a:pPr algn="l">
+              <a:defRPr sz="1400"/>
+            </a:pPr>
+            <a:r>
+              <a:t>성격: 현실적이면서도 창의적이다.</a:t>
+            </a:r>
+          </a:p>
+          <a:p>
+            <a:pPr algn="l">
+              <a:defRPr sz="1400"/>
+            </a:pPr>
+            <a:r>
+              <a:t>특징: "작은 아이디어가 큰 변화를 만든다."라는 신념을 가지고 있다. 항상 새로운 아이디어를 제시하며, 팀의 방향성을 제시하는 데 큰 역할을 한다. 그녀의 창의적인 사고는 팀이 어려운 상황에서도 새로운 길을 찾게 하는 데 도움을 준다.</a:t>
+            </a:r>
+          </a:p>
+          <a:p>
+            <a:pPr algn="l">
+              <a:defRPr sz="1400"/>
+            </a:pPr>
+          </a:p>
+          <a:p>
+            <a:pPr algn="l">
+              <a:defRPr sz="1400"/>
+            </a:pPr>
+            <a:r>
+              <a:t>3. 민수</a:t>
+            </a:r>
+          </a:p>
+          <a:p>
+            <a:pPr algn="l">
+              <a:defRPr sz="1400"/>
+            </a:pPr>
+            <a:r>
+              <a:t>나이: 25세, 직업: IT 전문가</a:t>
+            </a:r>
+          </a:p>
+          <a:p>
+            <a:pPr algn="l">
+              <a:defRPr sz="1400"/>
+            </a:pPr>
+            <a:r>
+              <a:t>성격: 조용하지만 결단력 있다.</a:t>
+            </a:r>
+          </a:p>
+          <a:p>
+            <a:pPr algn="l">
+              <a:defRPr sz="1400"/>
+            </a:pPr>
+            <a:r>
+              <a:t>특징: "기술은 문제를 해결하는 열쇠야."라는 생각으로, 팀의 기술적인 부분을 담당한다. 그의 조용한 성격은 때로는 팀의 안정감을 주며, 필요할 때는 결단력 있는 행동으로 팀을 이끌기도 한다. 그는 문제를 해결하는 데 있어 항상 최선의 방법을 찾고자 노력한다.</a:t>
+            </a:r>
+          </a:p>
+          <a:p>
+            <a:pPr algn="l">
+              <a:defRPr sz="1400"/>
+            </a:pPr>
+          </a:p>
+          <a:p>
+            <a:pPr algn="l">
+              <a:defRPr sz="1400"/>
+            </a:pPr>
+            <a:r>
+              <a:t>4. 유진</a:t>
+            </a:r>
+          </a:p>
+          <a:p>
+            <a:pPr algn="l">
+              <a:defRPr sz="1400"/>
+            </a:pPr>
+            <a:r>
+              <a:t>나이: 24세, 직업: 예술가</a:t>
+            </a:r>
+          </a:p>
+          <a:p>
+            <a:pPr algn="l">
+              <a:defRPr sz="1400"/>
+            </a:pPr>
+            <a:r>
+              <a:t>성격: 감수성이 풍부하고 예술적 감각이 뛰어나다.</a:t>
+            </a:r>
+          </a:p>
+          <a:p>
+            <a:pPr algn="l">
+              <a:defRPr sz="1400"/>
+            </a:pPr>
+            <a:r>
+              <a:t>특징: "예술은 삶을 더 아름답게 만들어."라는 철학을 가지고 있다. 그녀의 예술적 감각은 팀의 프로젝트에 독창성을 더하며, 시각적인 부분에서 큰 기여를 한다. 그녀의 감수성은 팀의 분위기를 부드럽게 만들고, 때로는 팀원들에게 감동을 주기도 한다.</a:t>
+            </a:r>
+          </a:p>
+          <a:p>
+            <a:pPr algn="l">
+              <a:defRPr sz="1400"/>
+            </a:pPr>
+          </a:p>
+          <a:p>
+            <a:pPr algn="l">
+              <a:defRPr sz="1400"/>
+            </a:pPr>
+            <a:r>
+              <a:t>5. 영호</a:t>
+            </a:r>
+          </a:p>
+          <a:p>
+            <a:pPr algn="l">
+              <a:defRPr sz="1400"/>
+            </a:pPr>
+            <a:r>
+              <a:t>나이: 26세, 직업: 재무 전문가</a:t>
+            </a:r>
+          </a:p>
+          <a:p>
+            <a:pPr algn="l">
+              <a:defRPr sz="1400"/>
+            </a:pPr>
+            <a:r>
+              <a:t>성격: 침착하고 신중하다.</a:t>
+            </a:r>
+          </a:p>
+          <a:p>
+            <a:pPr algn="l">
+              <a:defRPr sz="1400"/>
+            </a:pPr>
+            <a:r>
+              <a:t>특징: "숫자는 거짓말을 하지 않아."라는 말을 자주 하며, 팀의 재무적인 부분을 책임진다. 그의 침착한 성격은 팀이 위기에 처했을 때 냉철한 판단을 가능하게 하며, 신중한 태도는 팀의 결정을 더욱 견고하게 만든다. 그의 재무적 조언은 팀의 지속 가능성을 높이는 데 큰 역할을 한다.</a:t>
             </a:r>
           </a:p>
         </p:txBody>

--- a/tmp/proposal.pptx
+++ b/tmp/proposal.pptx
@@ -2945,7 +2945,7 @@
               <a:defRPr sz="1400"/>
             </a:pPr>
             <a:r>
-              <a:t>- 제목: 꿈꾸는 청춘</a:t>
+              <a:t>- 제목: 커피 드림</a:t>
             </a:r>
           </a:p>
           <a:p>
@@ -2953,7 +2953,7 @@
               <a:defRPr sz="1400"/>
             </a:pPr>
             <a:r>
-              <a:t>- 캐치프레이즈: "우리의 꿈은 아직 시작되지 않았다."</a:t>
+              <a:t>- 캐치프레이즈: "향긋한 커피 한 잔과 함께, 우리의 꿈을 나누다"</a:t>
             </a:r>
           </a:p>
           <a:p>
@@ -2961,7 +2961,7 @@
               <a:defRPr sz="1400"/>
             </a:pPr>
             <a:r>
-              <a:t>- 장르: 드라마, 청춘</a:t>
+              <a:t>- 장르: 드라마, 감성</a:t>
             </a:r>
           </a:p>
           <a:p>
@@ -2977,7 +2977,7 @@
               <a:defRPr sz="1400"/>
             </a:pPr>
             <a:r>
-              <a:t>- 타겟목표 관객층: 20대~30대 청년층, 꿈을 꾸는 모든 이들</a:t>
+              <a:t>- 타겟 목표 관객층: 20대~40대, 감성적인 스토리를 좋아하는 관객</a:t>
             </a:r>
           </a:p>
           <a:p>
@@ -3120,7 +3120,7 @@
               <a:defRPr sz="1400"/>
             </a:pPr>
             <a:r>
-              <a:t>'꿈꾸는 청춘'은 우리가 살아가면서 마주하는 도전과 꿈, 그리고 그 과정에서의 성장과 우정을 담아낸 이야기입니다. 이 영화는 졸업 후 사회로 나아가는 네 명의 친구들이 각자의 길을 찾아가는 여정을 통해, 청춘의 아름다움과 그 이면의 고뇌를 진솔하게 그려냅니다. 현대 사회에서 청년들이 겪는 불안과 두려움, 그리고 그 속에서 피어나는 희망을 통해, 관객들에게 따뜻한 위로와 용기를 주고자 합니다. 영화는 꿈을 이루기 위한 여정이 결코 혼자서는 이루어질 수 없음을, 서로의 손을 맞잡고 함께 걸어갈 때 비로소 완성된다는 메시지를 전합니다. 또한, 각자의 꿈을 향해 나아가는 과정에서의 실패와 좌절, 그리고 그로부터 얻는 깨달음을 통해, 청춘의 진정한 의미를 되새기게 합니다. 이 영화는 단순한 성장 드라마를 넘어, 관객들에게 자신의 꿈을 다시 한 번 돌아보고, 그 꿈을 향한 첫 발걸음을 내딛을 용기를 선사할 것입니다. '꿈꾸는 청춘'은 꿈을 향한 여정의 시작을 함께하는 모든 이들에게 바치는 헌사이며, 그 과정에서의 작지만 소중한 순간들을 함께 나누고자 합니다.</a:t>
+              <a:t>'커피 드림'은 일상의 작은 순간들이 모여 만들어내는 큰 행복을 그린 영화입니다. 커피 한 잔의 따뜻함처럼, 우리 삶 속에서 소중한 사람들과 나누는 시간들이 얼마나 큰 의미를 가지는지를 보여주고자 합니다. 이 영화는 커피 드림이라는 카페를 중심으로, 각기 다른 꿈을 가진 친구들이 모여 서로의 존재를 확인하고, 함께 성장해 나가는 과정을 담고 있습니다. 그들이 만들어내는 이야기는 단순한 우정의 이야기를 넘어, 서로의 삶에 깊이 스며드는 관계의 중요성을 일깨워줍니다. 우리는 때로는 바쁜 일상 속에서 중요한 것들을 잊고 살아가지만, 이 영화는 그런 순간들을 다시금 돌아보게 합니다. 커피 드림은 관객들에게 따뜻한 위로와 감동을 선사하며, 일상의 소소한 행복을 발견할 수 있는 기회를 제공합니다. 이 영화는 커피 한 잔의 여유로움과 함께, 우리의 마음을 따뜻하게 감싸줄 것입니다.</a:t>
             </a:r>
           </a:p>
         </p:txBody>
@@ -3255,27 +3255,22 @@
               <a:defRPr sz="1400"/>
             </a:pPr>
             <a:r>
-              <a:t>서울의 한 작은 동네, 청년 창업을 꿈꾸는 네 명의 친구들이 있다. 각자 다른 전공과 개성을 가진 이들은 졸업 후 취업 대신 창업을 선택한다. 하지만 현실은 녹록지 않다. 자본금 부족, 경험 부족, 그리고 서로 다른 의견으로 갈등이 끊이지 않는다. </a:t>
+              <a:t>서울의 번화가에 위치한 작은 카페, '커피 드림'은 한때 북적였지만 이제는 손님이 드문드문 찾아오는 곳이 되었다. 이곳의 주인인 김 사장은 은퇴를 앞두고 카페를 넘길 청년 창업가를 찾고 있다. 그러던 중, 우연히 카페를 방문한 대학 동아리 친구들인 준호, 미영, 동훈, 그리고 수진은 커피 드림을 새로운 창업 아이템으로 삼기로 결심한다.</a:t>
             </a:r>
             <a:br/>
             <a:br/>
             <a:r>
-              <a:t>그러던 어느 날, 이들은 동네의 낡은 카페를 인수해 자신들만의 독특한 컨셉으로 리모델링하기로 결심한다. 카페 이름은 '꿈꾸는 청춘'. 각자의 장기를 살려 메뉴 개발, 인테리어, 마케팅 등을 분담하며 고군분투한다. </a:t>
+              <a:t>이들은 각자의 전공과 특기를 살려 카페를 혁신하기로 한다. 준호는 경영학을 전공하여 사업 계획을 짜고, 미영은 마케팅 전문가로서 SNS를 활용한 홍보 전략을 제안한다. 동훈은 바리스타 자격증을 갖고 있어 커피 메뉴 개발을 맡고, 수진은 인테리어 디자이너로서 카페의 분위기를 새롭게 바꾸는 역할을 맡는다.</a:t>
             </a:r>
             <a:br/>
             <a:br/>
             <a:r>
-              <a:t>초반에는 손님이 거의 없고, 주변 사람들은 '애들 장난'이라고 비웃는다. 그러나 이들은 포기하지 않고, 지역 축제에 참여해 카페를 홍보하고, SNS를 통해 입소문을 내기 시작한다. 그 과정에서 작은 성공을 거두며 팀워크의 중요성을 깨닫게 된다.</a:t>
+              <a:t>처음에는 의견 충돌도 잦고, 예상치 못한 문제들이 발생하면서 팀워크에 위기가 찾아온다. 하지만 서로의 장점을 인정하고 부족한 부분을 메워가며, 이들은 조금씩 성장해 나간다. 특히, 미영이 기획한 '커피와 이야기가 있는 밤' 이벤트는 지역 주민들의 큰 호응을 얻어 카페의 인지도를 높이는 데 성공한다.</a:t>
             </a:r>
             <a:br/>
             <a:br/>
             <a:r>
-              <a:t>서로의 장점을 인정하고, 부족한 부분을 채워주며 이들은 점점 더 단단한 팀이 되어간다. 카페는 점점 인기를 끌고, 손님들도 늘어나기 시작한다. 그들의 열정과 노력이 결실을 맺는 순간, 이들은 비로소 자신들의 꿈을 현실로 만들어낸다.</a:t>
-            </a:r>
-            <a:br/>
-            <a:br/>
-            <a:r>
-              <a:t>마지막으로, 이들은 카페의 수익 일부를 지역 사회에 환원하며, 또 다른 청년 창업가들을 지원하기로 결심한다. 그들의 이야기는 단순한 성공이 아닌, 함께 성장하고 나누는 감동적인 여정으로 마무리된다.</a:t>
+              <a:t>그러던 어느 날, 카페에 유명한 푸드 블로거가 방문하게 되고, 그의 블로그에 긍정적인 리뷰가 올라가면서 '커피 드림'은 다시금 사람들로 북적이기 시작한다. 팀원들은 작은 성공을 거두며 각자의 꿈을 향해 한 걸음 더 나아가게 된다. 이들의 도전과 성장은 단순한 창업 이야기가 아닌, 서로에게 진정한 친구가 되어가는 과정을 보여준다. 결국, 이들은 함께한 시간 속에서 얻은 값진 경험과 우정을 바탕으로 더 큰 꿈을 꾸기 시작한다.</a:t>
             </a:r>
           </a:p>
         </p:txBody>
@@ -3356,36 +3351,33 @@
               <a:defRPr sz="1400"/>
             </a:pPr>
             <a:r>
-              <a:t>1. 청춘의 도전과 좌절</a:t>
+              <a:t>1. 우정의 깊이: 커피 드림은 친구들이 함께 모여 서로의 꿈을 응원하고, 서로의 존재를 확인하는 과정을 통해 우정의 깊이를 보여줍니다. 각자의 고민과 도전을 함께 나누며, 그들이 만들어가는 이야기는 관객들에게 따뜻한 감동을 선사합니다. 이 영화는 우정이란 단순한 관계를 넘어, 서로의 삶에 깊이 스며드는 중요한 가치임을 일깨워줍니다.</a:t>
             </a:r>
           </a:p>
           <a:p>
             <a:pPr algn="l">
               <a:defRPr sz="1400"/>
             </a:pPr>
-            <a:r>
-              <a:t>이 영화는 청춘의 도전과 좌절, 그 속에서 피어나는 희망을 그립니다. 관객들은 주인공들이 마주하는 현실의 벽과 그로 인한 좌절을 통해, 자신의 삶을 돌아보게 됩니다. "우리도 그랬지"라는 공감과 함께, 그들이 다시 일어서는 모습을 보며 용기를 얻습니다. 영화는 청춘이란 실패를 두려워하지 않고, 그로부터 배우고 성장하는 과정임을 상기시킵니다. 관객들은 주인공들의 여정을 통해, 자신의 꿈을 다시 한 번 돌아보는 기회를 갖게 될 것입니다.</a:t>
-            </a:r>
           </a:p>
           <a:p>
             <a:pPr algn="l">
               <a:defRPr sz="1400"/>
             </a:pPr>
+            <a:r>
+              <a:t>2. 일상의 소중함: 커피 드림은 일상의 작은 순간들이 모여 만들어내는 큰 행복을 그립니다. 커피 한 잔의 여유로움과 함께, 우리의 삶 속에서 소중한 사람들과 나누는 시간들이 얼마나 큰 의미를 가지는지를 보여줍니다. 관객들은 영화를 통해 일상의 소소한 행복을 발견하고, 그 순간들을 다시금 돌아보게 될 것입니다.</a:t>
+            </a:r>
           </a:p>
           <a:p>
             <a:pPr algn="l">
               <a:defRPr sz="1400"/>
             </a:pPr>
-            <a:r>
-              <a:t>2. 우정의 힘과 가치</a:t>
-            </a:r>
           </a:p>
           <a:p>
             <a:pPr algn="l">
               <a:defRPr sz="1400"/>
             </a:pPr>
             <a:r>
-              <a:t>'꿈꾸는 청춘'은 우정의 힘과 그 가치에 대해 깊이 있게 탐구합니다. 친구들이 서로의 부족한 부분을 채워주며 함께 성장하는 과정을 통해, 관객들은 진정한 우정이란 무엇인지 생각하게 됩니다. "함께라면 무엇이든 할 수 있어"라는 메시지를 전달하며, 관객들은 자신의 삶 속에서도 그러한 관계를 돌아보게 됩니다. 영화는 우정이란 단순한 감정이 아닌, 서로의 꿈을 지지하고 함께 나아가는 동반자임을 보여줍니다.</a:t>
+              <a:t>3. 꿈을 향한 도전: 영화는 각기 다른 꿈을 가진 친구들이 모여 서로의 꿈을 응원하고, 함께 성장해 나가는 과정을 담고 있습니다. 그들이 만들어내는 이야기는 단순한 우정의 이야기를 넘어, 꿈을 향한 도전과 그 과정에서의 성장을 보여줍니다. 관객들은 그들의 도전을 통해 자신의 꿈을 돌아보고, 새로운 용기를 얻게 될 것입니다.</a:t>
             </a:r>
           </a:p>
           <a:p>
@@ -3398,36 +3390,7 @@
               <a:defRPr sz="1400"/>
             </a:pPr>
             <a:r>
-              <a:t>3. 꿈을 향한 열정과 노력</a:t>
-            </a:r>
-          </a:p>
-          <a:p>
-            <a:pPr algn="l">
-              <a:defRPr sz="1400"/>
-            </a:pPr>
-            <a:r>
-              <a:t>영화는 꿈을 향한 열정과 노력을 통해 이루어지는 성취의 기쁨을 그립니다. 주인공들이 각자의 꿈을 위해 끊임없이 도전하고, 그 과정에서 얻는 작은 성취들이 모여 큰 결과로 이어지는 모습을 통해, 관객들은 자신의 꿈을 향한 열정을 다시금 불태우게 됩니다. 영화는 "포기하지 않으면 언젠가 이룰 수 있다"는 희망의 메시지를 전달하며, 관객들에게 꿈을 향한 첫 발걸음을 내딛을 용기를 줍니다.</a:t>
-            </a:r>
-          </a:p>
-          <a:p>
-            <a:pPr algn="l">
-              <a:defRPr sz="1400"/>
-            </a:pPr>
-          </a:p>
-          <a:p>
-            <a:pPr algn="l">
-              <a:defRPr sz="1400"/>
-            </a:pPr>
-            <a:r>
-              <a:t>4. 현실과 이상의 조화</a:t>
-            </a:r>
-          </a:p>
-          <a:p>
-            <a:pPr algn="l">
-              <a:defRPr sz="1400"/>
-            </a:pPr>
-            <a:r>
-              <a:t>'꿈꾸는 청춘'은 현실과 이상의 조화를 이루는 과정을 통해, 관객들에게 깊은 감동을 선사합니다. 주인공들이 이상을 추구하면서도 현실을 직시하고, 그 안에서 최선의 선택을 하며 나아가는 모습은, 관객들에게도 큰 울림을 줍니다. 영화는 이상만을 좇는 것이 아닌, 현실 속에서 그 이상을 실현하기 위한 노력이 중요함을 강조합니다. 관객들은 이를 통해 자신의 삶에서도 현실과 이상의 균형을 맞추는 지혜를 얻을 수 있을 것입니다.</a:t>
+              <a:t>4. 커피의 매력: 커피 드림은 커피를 중심으로 이야기가 전개되며, 커피 한 잔의 따뜻함과 그 속에 담긴 이야기를 통해 관객들에게 감동을 전합니다. 커피의 향긋한 매력과 함께, 카페라는 공간이 주는 편안함과 여유로움을 느낄 수 있을 것입니다. 커피 드림은 커피를 사랑하는 이들에게 특별한 경험을 선사할 것입니다.</a:t>
             </a:r>
           </a:p>
         </p:txBody>
@@ -3503,179 +3466,59 @@
               <a:defRPr sz="1400"/>
             </a:pPr>
             <a:r>
-              <a:t>1. 지훈</a:t>
+              <a:t>- 준호: 바리스타로서 커피 드림의 중심을 잡고 있는 준호는 책임감이 강하고, 친구들을 위해 항상 최선을 다합니다. "우리 모두가 힘을 합친다면, 다시 예전처럼 잘 해낼 수 있을 거야."</a:t>
             </a:r>
           </a:p>
           <a:p>
             <a:pPr algn="l">
               <a:defRPr sz="1400"/>
             </a:pPr>
-            <a:r>
-              <a:t>나이: 25세, 직업: 청년 창업가</a:t>
-            </a:r>
           </a:p>
           <a:p>
             <a:pPr algn="l">
               <a:defRPr sz="1400"/>
             </a:pPr>
             <a:r>
-              <a:t>성격: 긍정적이고 에너지가 넘치며, 리더십이 강하다.</a:t>
+              <a:t>- 미영: 손님들과의 소통을 통해 카페의 매력을 더하는 미영은 따뜻하고 친근한 성격으로, 사람들에게 위로와 기쁨을 줍니다. "이렇게 함께할 수 있는 시간이 있어서 정말 감사해."</a:t>
             </a:r>
           </a:p>
           <a:p>
             <a:pPr algn="l">
               <a:defRPr sz="1400"/>
             </a:pPr>
-            <a:r>
-              <a:t>특징: "우리가 함께라면 불가능은 없어!"라는 말을 자주 하며, 친구들을 이끌고자 한다. 항상 웃음을 잃지 않고, 힘든 상황에서도 긍정적인 마인드로 팀을 이끈다. 그의 리더십은 팀원들에게 큰 힘이 되며, 그가 가진 에너지는 주변 사람들에게도 긍정적인 영향을 미친다.</a:t>
-            </a:r>
           </a:p>
           <a:p>
             <a:pPr algn="l">
               <a:defRPr sz="1400"/>
             </a:pPr>
+            <a:r>
+              <a:t>- 동훈: 새로운 메뉴 개발에 열정을 쏟는 동훈은 창의적이고 도전적인 성격으로, 카페를 더욱 특별한 공간으로 만듭니다. "이번 대회에서 꼭 좋은 성과를 내서 우리 커피 드림을 빛낼게."</a:t>
+            </a:r>
           </a:p>
           <a:p>
             <a:pPr algn="l">
               <a:defRPr sz="1400"/>
             </a:pPr>
-            <a:r>
-              <a:t>2. 수진</a:t>
-            </a:r>
           </a:p>
           <a:p>
             <a:pPr algn="l">
               <a:defRPr sz="1400"/>
             </a:pPr>
             <a:r>
-              <a:t>나이: 24세, 직업: 마케팅 전문가</a:t>
+              <a:t>- 수진: 카페의 인테리어를 통해 공간의 분위기를 완성하는 수진은 예술적 감각이 뛰어나고, 공간에 생기를 불어넣습니다. "우리 모두가 서로의 강점을 잘 알고 있으니, 힘을 합치면 무슨 일이든 해낼 수 있을 거야."</a:t>
             </a:r>
           </a:p>
           <a:p>
             <a:pPr algn="l">
               <a:defRPr sz="1400"/>
             </a:pPr>
-            <a:r>
-              <a:t>성격: 현실적이면서도 창의적이다.</a:t>
-            </a:r>
           </a:p>
           <a:p>
             <a:pPr algn="l">
               <a:defRPr sz="1400"/>
             </a:pPr>
             <a:r>
-              <a:t>특징: "작은 아이디어가 큰 변화를 만든다."라는 신념을 가지고 있다. 항상 새로운 아이디어를 제시하며, 팀의 방향성을 제시하는 데 큰 역할을 한다. 그녀의 창의적인 사고는 팀이 어려운 상황에서도 새로운 길을 찾게 하는 데 도움을 준다.</a:t>
-            </a:r>
-          </a:p>
-          <a:p>
-            <a:pPr algn="l">
-              <a:defRPr sz="1400"/>
-            </a:pPr>
-          </a:p>
-          <a:p>
-            <a:pPr algn="l">
-              <a:defRPr sz="1400"/>
-            </a:pPr>
-            <a:r>
-              <a:t>3. 민수</a:t>
-            </a:r>
-          </a:p>
-          <a:p>
-            <a:pPr algn="l">
-              <a:defRPr sz="1400"/>
-            </a:pPr>
-            <a:r>
-              <a:t>나이: 25세, 직업: IT 전문가</a:t>
-            </a:r>
-          </a:p>
-          <a:p>
-            <a:pPr algn="l">
-              <a:defRPr sz="1400"/>
-            </a:pPr>
-            <a:r>
-              <a:t>성격: 조용하지만 결단력 있다.</a:t>
-            </a:r>
-          </a:p>
-          <a:p>
-            <a:pPr algn="l">
-              <a:defRPr sz="1400"/>
-            </a:pPr>
-            <a:r>
-              <a:t>특징: "기술은 문제를 해결하는 열쇠야."라는 생각으로, 팀의 기술적인 부분을 담당한다. 그의 조용한 성격은 때로는 팀의 안정감을 주며, 필요할 때는 결단력 있는 행동으로 팀을 이끌기도 한다. 그는 문제를 해결하는 데 있어 항상 최선의 방법을 찾고자 노력한다.</a:t>
-            </a:r>
-          </a:p>
-          <a:p>
-            <a:pPr algn="l">
-              <a:defRPr sz="1400"/>
-            </a:pPr>
-          </a:p>
-          <a:p>
-            <a:pPr algn="l">
-              <a:defRPr sz="1400"/>
-            </a:pPr>
-            <a:r>
-              <a:t>4. 유진</a:t>
-            </a:r>
-          </a:p>
-          <a:p>
-            <a:pPr algn="l">
-              <a:defRPr sz="1400"/>
-            </a:pPr>
-            <a:r>
-              <a:t>나이: 24세, 직업: 예술가</a:t>
-            </a:r>
-          </a:p>
-          <a:p>
-            <a:pPr algn="l">
-              <a:defRPr sz="1400"/>
-            </a:pPr>
-            <a:r>
-              <a:t>성격: 감수성이 풍부하고 예술적 감각이 뛰어나다.</a:t>
-            </a:r>
-          </a:p>
-          <a:p>
-            <a:pPr algn="l">
-              <a:defRPr sz="1400"/>
-            </a:pPr>
-            <a:r>
-              <a:t>특징: "예술은 삶을 더 아름답게 만들어."라는 철학을 가지고 있다. 그녀의 예술적 감각은 팀의 프로젝트에 독창성을 더하며, 시각적인 부분에서 큰 기여를 한다. 그녀의 감수성은 팀의 분위기를 부드럽게 만들고, 때로는 팀원들에게 감동을 주기도 한다.</a:t>
-            </a:r>
-          </a:p>
-          <a:p>
-            <a:pPr algn="l">
-              <a:defRPr sz="1400"/>
-            </a:pPr>
-          </a:p>
-          <a:p>
-            <a:pPr algn="l">
-              <a:defRPr sz="1400"/>
-            </a:pPr>
-            <a:r>
-              <a:t>5. 영호</a:t>
-            </a:r>
-          </a:p>
-          <a:p>
-            <a:pPr algn="l">
-              <a:defRPr sz="1400"/>
-            </a:pPr>
-            <a:r>
-              <a:t>나이: 26세, 직업: 재무 전문가</a:t>
-            </a:r>
-          </a:p>
-          <a:p>
-            <a:pPr algn="l">
-              <a:defRPr sz="1400"/>
-            </a:pPr>
-            <a:r>
-              <a:t>성격: 침착하고 신중하다.</a:t>
-            </a:r>
-          </a:p>
-          <a:p>
-            <a:pPr algn="l">
-              <a:defRPr sz="1400"/>
-            </a:pPr>
-            <a:r>
-              <a:t>특징: "숫자는 거짓말을 하지 않아."라는 말을 자주 하며, 팀의 재무적인 부분을 책임진다. 그의 침착한 성격은 팀이 위기에 처했을 때 냉철한 판단을 가능하게 하며, 신중한 태도는 팀의 결정을 더욱 견고하게 만든다. 그의 재무적 조언은 팀의 지속 가능성을 높이는 데 큰 역할을 한다.</a:t>
+              <a:t>- 김 사장: 카페의 주인으로서 직원들과 손님들을 챙기고, 카페가 지역 사회의 중심이 되기를 바라는 김 사장은 따뜻하고 배려심이 깊은 인물입니다. "우리 함께 더 멋진 카페로 만들어가자."</a:t>
             </a:r>
           </a:p>
         </p:txBody>
